--- a/AB-TestiOdev.pptx
+++ b/AB-TestiOdev.pptx
@@ -109,7 +109,41 @@
       </a:defRPr>
     </a:lvl9pPr>
   </p:defaultTextStyle>
+  <p:extLst>
+    <p:ext uri="{EFAFB233-063F-42B5-8137-9DF3F51BA10A}">
+      <p15:sldGuideLst xmlns:p15="http://schemas.microsoft.com/office/powerpoint/2012/main"/>
+    </p:ext>
+  </p:extLst>
 </p:presentation>
+</file>
+
+<file path=ppt/changesInfos/changesInfo1.xml><?xml version="1.0" encoding="utf-8"?>
+<pc:chgInfo xmlns:a="http://schemas.openxmlformats.org/drawingml/2006/main" xmlns:r="http://schemas.openxmlformats.org/officeDocument/2006/relationships" xmlns:ac="http://schemas.microsoft.com/office/drawing/2013/main/command" xmlns:pc="http://schemas.microsoft.com/office/powerpoint/2013/main/command">
+  <pc:docChgLst>
+    <pc:chgData name="Nesrin Çelebioğlu" userId="405ed7fe654a4b9c" providerId="LiveId" clId="{F1B2C303-B5B8-4473-AA95-2D4F17D9076A}"/>
+    <pc:docChg chg="custSel modSld">
+      <pc:chgData name="Nesrin Çelebioğlu" userId="405ed7fe654a4b9c" providerId="LiveId" clId="{F1B2C303-B5B8-4473-AA95-2D4F17D9076A}" dt="2025-03-24T18:32:30.711" v="8" actId="20577"/>
+      <pc:docMkLst>
+        <pc:docMk/>
+      </pc:docMkLst>
+      <pc:sldChg chg="modSp mod">
+        <pc:chgData name="Nesrin Çelebioğlu" userId="405ed7fe654a4b9c" providerId="LiveId" clId="{F1B2C303-B5B8-4473-AA95-2D4F17D9076A}" dt="2025-03-24T18:32:30.711" v="8" actId="20577"/>
+        <pc:sldMkLst>
+          <pc:docMk/>
+          <pc:sldMk cId="3382195887" sldId="256"/>
+        </pc:sldMkLst>
+        <pc:spChg chg="mod">
+          <ac:chgData name="Nesrin Çelebioğlu" userId="405ed7fe654a4b9c" providerId="LiveId" clId="{F1B2C303-B5B8-4473-AA95-2D4F17D9076A}" dt="2025-03-24T18:32:30.711" v="8" actId="20577"/>
+          <ac:spMkLst>
+            <pc:docMk/>
+            <pc:sldMk cId="3382195887" sldId="256"/>
+            <ac:spMk id="5" creationId="{A491D656-9BF1-7C38-2C44-BF176E7E7C99}"/>
+          </ac:spMkLst>
+        </pc:spChg>
+      </pc:sldChg>
+    </pc:docChg>
+  </pc:docChgLst>
+</pc:chgInfo>
 </file>
 
 <file path=ppt/slideLayouts/slideLayout1.xml><?xml version="1.0" encoding="utf-8"?>
@@ -261,7 +295,7 @@
           <a:p>
             <a:fld id="{09F84159-2906-42DD-8FB5-944A7D60EB54}" type="datetimeFigureOut">
               <a:rPr lang="en-US" smtClean="0"/>
-              <a:t>3/17/2025</a:t>
+              <a:t>3/24/2025</a:t>
             </a:fld>
             <a:endParaRPr lang="en-US"/>
           </a:p>
@@ -461,7 +495,7 @@
           <a:p>
             <a:fld id="{09F84159-2906-42DD-8FB5-944A7D60EB54}" type="datetimeFigureOut">
               <a:rPr lang="en-US" smtClean="0"/>
-              <a:t>3/17/2025</a:t>
+              <a:t>3/24/2025</a:t>
             </a:fld>
             <a:endParaRPr lang="en-US"/>
           </a:p>
@@ -671,7 +705,7 @@
           <a:p>
             <a:fld id="{09F84159-2906-42DD-8FB5-944A7D60EB54}" type="datetimeFigureOut">
               <a:rPr lang="en-US" smtClean="0"/>
-              <a:t>3/17/2025</a:t>
+              <a:t>3/24/2025</a:t>
             </a:fld>
             <a:endParaRPr lang="en-US"/>
           </a:p>
@@ -871,7 +905,7 @@
           <a:p>
             <a:fld id="{09F84159-2906-42DD-8FB5-944A7D60EB54}" type="datetimeFigureOut">
               <a:rPr lang="en-US" smtClean="0"/>
-              <a:t>3/17/2025</a:t>
+              <a:t>3/24/2025</a:t>
             </a:fld>
             <a:endParaRPr lang="en-US"/>
           </a:p>
@@ -1147,7 +1181,7 @@
           <a:p>
             <a:fld id="{09F84159-2906-42DD-8FB5-944A7D60EB54}" type="datetimeFigureOut">
               <a:rPr lang="en-US" smtClean="0"/>
-              <a:t>3/17/2025</a:t>
+              <a:t>3/24/2025</a:t>
             </a:fld>
             <a:endParaRPr lang="en-US"/>
           </a:p>
@@ -1415,7 +1449,7 @@
           <a:p>
             <a:fld id="{09F84159-2906-42DD-8FB5-944A7D60EB54}" type="datetimeFigureOut">
               <a:rPr lang="en-US" smtClean="0"/>
-              <a:t>3/17/2025</a:t>
+              <a:t>3/24/2025</a:t>
             </a:fld>
             <a:endParaRPr lang="en-US"/>
           </a:p>
@@ -1830,7 +1864,7 @@
           <a:p>
             <a:fld id="{09F84159-2906-42DD-8FB5-944A7D60EB54}" type="datetimeFigureOut">
               <a:rPr lang="en-US" smtClean="0"/>
-              <a:t>3/17/2025</a:t>
+              <a:t>3/24/2025</a:t>
             </a:fld>
             <a:endParaRPr lang="en-US"/>
           </a:p>
@@ -1972,7 +2006,7 @@
           <a:p>
             <a:fld id="{09F84159-2906-42DD-8FB5-944A7D60EB54}" type="datetimeFigureOut">
               <a:rPr lang="en-US" smtClean="0"/>
-              <a:t>3/17/2025</a:t>
+              <a:t>3/24/2025</a:t>
             </a:fld>
             <a:endParaRPr lang="en-US"/>
           </a:p>
@@ -2085,7 +2119,7 @@
           <a:p>
             <a:fld id="{09F84159-2906-42DD-8FB5-944A7D60EB54}" type="datetimeFigureOut">
               <a:rPr lang="en-US" smtClean="0"/>
-              <a:t>3/17/2025</a:t>
+              <a:t>3/24/2025</a:t>
             </a:fld>
             <a:endParaRPr lang="en-US"/>
           </a:p>
@@ -2398,7 +2432,7 @@
           <a:p>
             <a:fld id="{09F84159-2906-42DD-8FB5-944A7D60EB54}" type="datetimeFigureOut">
               <a:rPr lang="en-US" smtClean="0"/>
-              <a:t>3/17/2025</a:t>
+              <a:t>3/24/2025</a:t>
             </a:fld>
             <a:endParaRPr lang="en-US"/>
           </a:p>
@@ -2687,7 +2721,7 @@
           <a:p>
             <a:fld id="{09F84159-2906-42DD-8FB5-944A7D60EB54}" type="datetimeFigureOut">
               <a:rPr lang="en-US" smtClean="0"/>
-              <a:t>3/17/2025</a:t>
+              <a:t>3/24/2025</a:t>
             </a:fld>
             <a:endParaRPr lang="en-US"/>
           </a:p>
@@ -2930,7 +2964,7 @@
           <a:p>
             <a:fld id="{09F84159-2906-42DD-8FB5-944A7D60EB54}" type="datetimeFigureOut">
               <a:rPr lang="en-US" smtClean="0"/>
-              <a:t>3/17/2025</a:t>
+              <a:t>3/24/2025</a:t>
             </a:fld>
             <a:endParaRPr lang="en-US"/>
           </a:p>
@@ -3362,7 +3396,7 @@
         <p:spPr>
           <a:xfrm>
             <a:off x="885139" y="1307171"/>
-            <a:ext cx="10051085" cy="3693319"/>
+            <a:ext cx="10051085" cy="4247317"/>
           </a:xfrm>
           <a:prstGeom prst="rect">
             <a:avLst/>
@@ -3378,8 +3412,27 @@
             <a:pPr>
               <a:buNone/>
             </a:pPr>
+            <a:endParaRPr lang="en-US" b="1" dirty="0"/>
+          </a:p>
+          <a:p>
+            <a:pPr>
+              <a:buNone/>
+            </a:pPr>
             <a:r>
               <a:rPr lang="en-US" b="1" dirty="0" err="1"/>
+              <a:t>Ödev</a:t>
+            </a:r>
+            <a:r>
+              <a:rPr lang="en-US" b="1"/>
+              <a:t> 6</a:t>
+            </a:r>
+          </a:p>
+          <a:p>
+            <a:pPr>
+              <a:buNone/>
+            </a:pPr>
+            <a:r>
+              <a:rPr lang="en-US" b="1"/>
               <a:t>İş</a:t>
             </a:r>
             <a:r>
